--- a/ex/552-F20/staging/552-F20/lectures/03-problems.pptx
+++ b/ex/552-F20/staging/552-F20/lectures/03-problems.pptx
@@ -208,7 +208,7 @@
           <a:p>
             <a:fld id="{4F542666-03D5-5341-A833-B4D3FAA577B7}" type="datetimeFigureOut">
               <a:rPr lang="en-US" smtClean="0"/>
-              <a:t>9/10/20</a:t>
+              <a:t>9/15/20</a:t>
             </a:fld>
             <a:endParaRPr lang="en-US"/>
           </a:p>
@@ -604,7 +604,7 @@
           <a:p>
             <a:fld id="{DCCCB3B3-0381-6043-97A3-E72CD5022D9A}" type="datetimeFigureOut">
               <a:rPr lang="en-US" smtClean="0"/>
-              <a:t>9/10/20</a:t>
+              <a:t>9/15/20</a:t>
             </a:fld>
             <a:endParaRPr lang="en-US"/>
           </a:p>
@@ -772,7 +772,7 @@
           <a:p>
             <a:fld id="{DCCCB3B3-0381-6043-97A3-E72CD5022D9A}" type="datetimeFigureOut">
               <a:rPr lang="en-US" smtClean="0"/>
-              <a:t>9/10/20</a:t>
+              <a:t>9/15/20</a:t>
             </a:fld>
             <a:endParaRPr lang="en-US"/>
           </a:p>
@@ -950,7 +950,7 @@
           <a:p>
             <a:fld id="{DCCCB3B3-0381-6043-97A3-E72CD5022D9A}" type="datetimeFigureOut">
               <a:rPr lang="en-US" smtClean="0"/>
-              <a:t>9/10/20</a:t>
+              <a:t>9/15/20</a:t>
             </a:fld>
             <a:endParaRPr lang="en-US"/>
           </a:p>
@@ -1397,7 +1397,7 @@
           <a:p>
             <a:fld id="{DCCCB3B3-0381-6043-97A3-E72CD5022D9A}" type="datetimeFigureOut">
               <a:rPr lang="en-US" smtClean="0"/>
-              <a:t>9/10/20</a:t>
+              <a:t>9/15/20</a:t>
             </a:fld>
             <a:endParaRPr lang="en-US"/>
           </a:p>
@@ -1642,7 +1642,7 @@
           <a:p>
             <a:fld id="{DCCCB3B3-0381-6043-97A3-E72CD5022D9A}" type="datetimeFigureOut">
               <a:rPr lang="en-US" smtClean="0"/>
-              <a:t>9/10/20</a:t>
+              <a:t>9/15/20</a:t>
             </a:fld>
             <a:endParaRPr lang="en-US"/>
           </a:p>
@@ -1871,7 +1871,7 @@
           <a:p>
             <a:fld id="{DCCCB3B3-0381-6043-97A3-E72CD5022D9A}" type="datetimeFigureOut">
               <a:rPr lang="en-US" smtClean="0"/>
-              <a:t>9/10/20</a:t>
+              <a:t>9/15/20</a:t>
             </a:fld>
             <a:endParaRPr lang="en-US"/>
           </a:p>
@@ -2235,7 +2235,7 @@
           <a:p>
             <a:fld id="{DCCCB3B3-0381-6043-97A3-E72CD5022D9A}" type="datetimeFigureOut">
               <a:rPr lang="en-US" smtClean="0"/>
-              <a:t>9/10/20</a:t>
+              <a:t>9/15/20</a:t>
             </a:fld>
             <a:endParaRPr lang="en-US"/>
           </a:p>
@@ -2352,7 +2352,7 @@
           <a:p>
             <a:fld id="{DCCCB3B3-0381-6043-97A3-E72CD5022D9A}" type="datetimeFigureOut">
               <a:rPr lang="en-US" smtClean="0"/>
-              <a:t>9/10/20</a:t>
+              <a:t>9/15/20</a:t>
             </a:fld>
             <a:endParaRPr lang="en-US"/>
           </a:p>
@@ -2447,7 +2447,7 @@
           <a:p>
             <a:fld id="{DCCCB3B3-0381-6043-97A3-E72CD5022D9A}" type="datetimeFigureOut">
               <a:rPr lang="en-US" smtClean="0"/>
-              <a:t>9/10/20</a:t>
+              <a:t>9/15/20</a:t>
             </a:fld>
             <a:endParaRPr lang="en-US"/>
           </a:p>
@@ -2722,7 +2722,7 @@
           <a:p>
             <a:fld id="{DCCCB3B3-0381-6043-97A3-E72CD5022D9A}" type="datetimeFigureOut">
               <a:rPr lang="en-US" smtClean="0"/>
-              <a:t>9/10/20</a:t>
+              <a:t>9/15/20</a:t>
             </a:fld>
             <a:endParaRPr lang="en-US"/>
           </a:p>
@@ -2974,7 +2974,7 @@
           <a:p>
             <a:fld id="{DCCCB3B3-0381-6043-97A3-E72CD5022D9A}" type="datetimeFigureOut">
               <a:rPr lang="en-US" smtClean="0"/>
-              <a:t>9/10/20</a:t>
+              <a:t>9/15/20</a:t>
             </a:fld>
             <a:endParaRPr lang="en-US"/>
           </a:p>
@@ -3185,7 +3185,7 @@
           <a:p>
             <a:fld id="{DCCCB3B3-0381-6043-97A3-E72CD5022D9A}" type="datetimeFigureOut">
               <a:rPr lang="en-US" smtClean="0"/>
-              <a:t>9/10/20</a:t>
+              <a:t>9/15/20</a:t>
             </a:fld>
             <a:endParaRPr lang="en-US"/>
           </a:p>
@@ -3617,7 +3617,7 @@
                 <a:ea typeface="Helvetica" charset="0"/>
                 <a:cs typeface="Helvetica" charset="0"/>
               </a:rPr>
-              <a:t>552: Six Basic Problems in Networking</a:t>
+              <a:t>552: Six Foundational Problems in Networking</a:t>
             </a:r>
           </a:p>
         </p:txBody>
@@ -5084,14 +5084,26 @@
             <a:pPr lvl="1"/>
             <a:r>
               <a:rPr lang="en-US" dirty="0"/>
-              <a:t>Verification is stronger than testing: we want to show the absence of bugs</a:t>
+              <a:t>Verification is stronger than testing: we want to show the </a:t>
+            </a:r>
+            <a:r>
+              <a:rPr lang="en-US" dirty="0">
+                <a:solidFill>
+                  <a:srgbClr val="C00000"/>
+                </a:solidFill>
+              </a:rPr>
+              <a:t>absence</a:t>
+            </a:r>
+            <a:r>
+              <a:rPr lang="en-US" dirty="0"/>
+              <a:t> of bugs</a:t>
             </a:r>
           </a:p>
           <a:p>
             <a:pPr lvl="1"/>
             <a:r>
               <a:rPr lang="en-US" dirty="0"/>
-              <a:t>Applicable to large networks, and also single programs running on hosts</a:t>
+              <a:t>Applicable to large networks as well as single programs running on hosts</a:t>
             </a:r>
           </a:p>
         </p:txBody>
@@ -6251,7 +6263,7 @@
           <a:p>
             <a:r>
               <a:rPr lang="en-US" dirty="0"/>
-              <a:t>Other “meta” problems</a:t>
+              <a:t>Two “meta” problems</a:t>
             </a:r>
           </a:p>
         </p:txBody>
@@ -6274,7 +6286,9 @@
         </p:nvSpPr>
         <p:spPr/>
         <p:txBody>
-          <a:bodyPr/>
+          <a:bodyPr>
+            <a:normAutofit/>
+          </a:bodyPr>
           <a:lstStyle/>
           <a:p>
             <a:r>
@@ -6318,7 +6332,7 @@
             </a:r>
             <a:r>
               <a:rPr lang="en-US" dirty="0"/>
-              <a:t>: How to ensure the network is “fast”?</a:t>
+              <a:t>: How to ensure the network is “fast” &amp; “efficient”?</a:t>
             </a:r>
           </a:p>
           <a:p>
@@ -6333,15 +6347,7 @@
             </a:r>
             <a:r>
               <a:rPr lang="en-US" dirty="0"/>
-              <a:t> </a:t>
-            </a:r>
-            <a:r>
-              <a:rPr lang="en-US"/>
-              <a:t>+ always </a:t>
-            </a:r>
-            <a:r>
-              <a:rPr lang="en-US" dirty="0"/>
-              <a:t>up)</a:t>
+              <a:t> + always up)</a:t>
             </a:r>
           </a:p>
           <a:p>
@@ -6355,7 +6361,14 @@
             <a:pPr lvl="1"/>
             <a:r>
               <a:rPr lang="en-US" dirty="0"/>
-              <a:t>Nanoseconds may matter; we’ll see examples later</a:t>
+              <a:t>CPU resources are scarce (end of Moore’s law – more later)</a:t>
+            </a:r>
+          </a:p>
+          <a:p>
+            <a:pPr lvl="1"/>
+            <a:r>
+              <a:rPr lang="en-US" dirty="0"/>
+              <a:t>Nanoseconds of processing time may matter (examples later)</a:t>
             </a:r>
           </a:p>
           <a:p>
